--- a/presentation/Presentation_OOP_team15.pptx
+++ b/presentation/Presentation_OOP_team15.pptx
@@ -22,35 +22,35 @@
   <p:notesSz cx="6858000" cy="9144000"/>
   <p:embeddedFontLst>
     <p:embeddedFont>
-      <p:font typeface="Concert One" panose="020B0604020202020204" charset="0"/>
+      <p:font typeface="Coming Soon" panose="020B0604020202020204" charset="0"/>
       <p:regular r:id="rId12"/>
     </p:embeddedFont>
     <p:embeddedFont>
-      <p:font typeface="Coming Soon" panose="020B0604020202020204" charset="0"/>
+      <p:font typeface="Concert One" panose="020B0604020202020204" charset="0"/>
       <p:regular r:id="rId13"/>
     </p:embeddedFont>
     <p:embeddedFont>
-      <p:font typeface="Signika" panose="020B0604020202020204" charset="0"/>
+      <p:font typeface="Roboto Mono" panose="020B0604020202020204" charset="0"/>
       <p:regular r:id="rId14"/>
       <p:bold r:id="rId15"/>
+      <p:italic r:id="rId16"/>
+      <p:boldItalic r:id="rId17"/>
     </p:embeddedFont>
     <p:embeddedFont>
       <p:font typeface="Century" panose="02040604050505020304" pitchFamily="18" charset="0"/>
-      <p:regular r:id="rId16"/>
-    </p:embeddedFont>
-    <p:embeddedFont>
-      <p:font typeface="Roboto Mono" panose="020B0604020202020204" charset="0"/>
-      <p:regular r:id="rId17"/>
-      <p:bold r:id="rId18"/>
-      <p:italic r:id="rId19"/>
-      <p:boldItalic r:id="rId20"/>
+      <p:regular r:id="rId18"/>
     </p:embeddedFont>
     <p:embeddedFont>
       <p:font typeface="Roboto Mono Medium" panose="020B0604020202020204" charset="0"/>
-      <p:regular r:id="rId21"/>
-      <p:bold r:id="rId22"/>
-      <p:italic r:id="rId23"/>
-      <p:boldItalic r:id="rId24"/>
+      <p:regular r:id="rId19"/>
+      <p:bold r:id="rId20"/>
+      <p:italic r:id="rId21"/>
+      <p:boldItalic r:id="rId22"/>
+    </p:embeddedFont>
+    <p:embeddedFont>
+      <p:font typeface="Signika" panose="020B0604020202020204" charset="0"/>
+      <p:regular r:id="rId23"/>
+      <p:bold r:id="rId24"/>
     </p:embeddedFont>
     <p:embeddedFont>
       <p:font typeface="Signika Medium" panose="020B0604020202020204" charset="0"/>
@@ -288,8 +288,11 @@
     </a:lvl9pPr>
   </p:defaultTextStyle>
   <p:extLst>
+    <p:ext uri="{EFAFB233-063F-42B5-8137-9DF3F51BA10A}">
+      <p15:sldGuideLst xmlns:p15="http://schemas.microsoft.com/office/powerpoint/2012/main"/>
+    </p:ext>
     <p:ext uri="GoogleSlidesCustomDataVersion2">
-      <go:slidesCustomData xmlns:go="http://customooxmlschemas.google.com/" xmlns:ahyp="http://schemas.microsoft.com/office/drawing/2018/hyperlinkcolor" xmlns:p15="http://schemas.microsoft.com/office/powerpoint/2012/main" xmlns:p14="http://schemas.microsoft.com/office/powerpoint/2010/main" xmlns:com="http://schemas.openxmlformats.org/drawingml/2006/compatibility" xmlns:pvml="urn:schemas-microsoft-com:office:powerpoint" xmlns:v="urn:schemas-microsoft-com:vml" xmlns:o="urn:schemas-microsoft-com:office:office" xmlns:dgm="http://schemas.openxmlformats.org/drawingml/2006/diagram" xmlns:c="http://schemas.openxmlformats.org/drawingml/2006/chart" xmlns:mv="urn:schemas-microsoft-com:mac:vml" xmlns:mc="http://schemas.openxmlformats.org/markup-compatibility/2006" xmlns="" r:id="rId28" roundtripDataSignature="AMtx7mjkYahzotMD9k7U/raJPgeTJHIEfg=="/>
+      <go:slidesCustomData xmlns="" xmlns:mc="http://schemas.openxmlformats.org/markup-compatibility/2006" xmlns:mv="urn:schemas-microsoft-com:mac:vml" xmlns:c="http://schemas.openxmlformats.org/drawingml/2006/chart" xmlns:dgm="http://schemas.openxmlformats.org/drawingml/2006/diagram" xmlns:o="urn:schemas-microsoft-com:office:office" xmlns:v="urn:schemas-microsoft-com:vml" xmlns:pvml="urn:schemas-microsoft-com:office:powerpoint" xmlns:com="http://schemas.openxmlformats.org/drawingml/2006/compatibility" xmlns:p14="http://schemas.microsoft.com/office/powerpoint/2010/main" xmlns:p15="http://schemas.microsoft.com/office/powerpoint/2012/main" xmlns:ahyp="http://schemas.microsoft.com/office/drawing/2018/hyperlinkcolor" xmlns:go="http://customooxmlschemas.google.com/" r:id="rId28" roundtripDataSignature="AMtx7mjkYahzotMD9k7U/raJPgeTJHIEfg=="/>
     </p:ext>
   </p:extLst>
 </p:presentation>
@@ -31299,7 +31302,7 @@
                 <a:hlinkClick r:id="rId5">
                   <a:extLst>
                     <a:ext uri="{A12FA001-AC4F-418D-AE19-62706E023703}">
-                      <ahyp:hlinkClr xmlns:ahyp="http://schemas.microsoft.com/office/drawing/2018/hyperlinkcolor" xmlns:p15="http://schemas.microsoft.com/office/powerpoint/2012/main" xmlns:p14="http://schemas.microsoft.com/office/powerpoint/2010/main" xmlns:com="http://schemas.openxmlformats.org/drawingml/2006/compatibility" xmlns:pvml="urn:schemas-microsoft-com:office:powerpoint" xmlns:v="urn:schemas-microsoft-com:vml" xmlns:o="urn:schemas-microsoft-com:office:office" xmlns:dgm="http://schemas.openxmlformats.org/drawingml/2006/diagram" xmlns:c="http://schemas.openxmlformats.org/drawingml/2006/chart" xmlns:mv="urn:schemas-microsoft-com:mac:vml" xmlns:mc="http://schemas.openxmlformats.org/markup-compatibility/2006" xmlns="" val="tx"/>
+                      <ahyp:hlinkClr xmlns="" xmlns:mc="http://schemas.openxmlformats.org/markup-compatibility/2006" xmlns:mv="urn:schemas-microsoft-com:mac:vml" xmlns:c="http://schemas.openxmlformats.org/drawingml/2006/chart" xmlns:dgm="http://schemas.openxmlformats.org/drawingml/2006/diagram" xmlns:o="urn:schemas-microsoft-com:office:office" xmlns:v="urn:schemas-microsoft-com:vml" xmlns:pvml="urn:schemas-microsoft-com:office:powerpoint" xmlns:com="http://schemas.openxmlformats.org/drawingml/2006/compatibility" xmlns:p14="http://schemas.microsoft.com/office/powerpoint/2010/main" xmlns:p15="http://schemas.microsoft.com/office/powerpoint/2012/main" xmlns:ahyp="http://schemas.microsoft.com/office/drawing/2018/hyperlinkcolor" val="tx"/>
                     </a:ext>
                   </a:extLst>
                 </a:hlinkClick>
@@ -31333,7 +31336,7 @@
                 <a:hlinkClick r:id="rId6">
                   <a:extLst>
                     <a:ext uri="{A12FA001-AC4F-418D-AE19-62706E023703}">
-                      <ahyp:hlinkClr xmlns:ahyp="http://schemas.microsoft.com/office/drawing/2018/hyperlinkcolor" xmlns:p15="http://schemas.microsoft.com/office/powerpoint/2012/main" xmlns:p14="http://schemas.microsoft.com/office/powerpoint/2010/main" xmlns:com="http://schemas.openxmlformats.org/drawingml/2006/compatibility" xmlns:pvml="urn:schemas-microsoft-com:office:powerpoint" xmlns:v="urn:schemas-microsoft-com:vml" xmlns:o="urn:schemas-microsoft-com:office:office" xmlns:dgm="http://schemas.openxmlformats.org/drawingml/2006/diagram" xmlns:c="http://schemas.openxmlformats.org/drawingml/2006/chart" xmlns:mv="urn:schemas-microsoft-com:mac:vml" xmlns:mc="http://schemas.openxmlformats.org/markup-compatibility/2006" xmlns="" val="tx"/>
+                      <ahyp:hlinkClr xmlns="" xmlns:mc="http://schemas.openxmlformats.org/markup-compatibility/2006" xmlns:mv="urn:schemas-microsoft-com:mac:vml" xmlns:c="http://schemas.openxmlformats.org/drawingml/2006/chart" xmlns:dgm="http://schemas.openxmlformats.org/drawingml/2006/diagram" xmlns:o="urn:schemas-microsoft-com:office:office" xmlns:v="urn:schemas-microsoft-com:vml" xmlns:pvml="urn:schemas-microsoft-com:office:powerpoint" xmlns:com="http://schemas.openxmlformats.org/drawingml/2006/compatibility" xmlns:p14="http://schemas.microsoft.com/office/powerpoint/2010/main" xmlns:p15="http://schemas.microsoft.com/office/powerpoint/2012/main" xmlns:ahyp="http://schemas.microsoft.com/office/drawing/2018/hyperlinkcolor" val="tx"/>
                     </a:ext>
                   </a:extLst>
                 </a:hlinkClick>
@@ -31367,7 +31370,7 @@
                 <a:hlinkClick r:id="rId7">
                   <a:extLst>
                     <a:ext uri="{A12FA001-AC4F-418D-AE19-62706E023703}">
-                      <ahyp:hlinkClr xmlns:ahyp="http://schemas.microsoft.com/office/drawing/2018/hyperlinkcolor" xmlns:p15="http://schemas.microsoft.com/office/powerpoint/2012/main" xmlns:p14="http://schemas.microsoft.com/office/powerpoint/2010/main" xmlns:com="http://schemas.openxmlformats.org/drawingml/2006/compatibility" xmlns:pvml="urn:schemas-microsoft-com:office:powerpoint" xmlns:v="urn:schemas-microsoft-com:vml" xmlns:o="urn:schemas-microsoft-com:office:office" xmlns:dgm="http://schemas.openxmlformats.org/drawingml/2006/diagram" xmlns:c="http://schemas.openxmlformats.org/drawingml/2006/chart" xmlns:mv="urn:schemas-microsoft-com:mac:vml" xmlns:mc="http://schemas.openxmlformats.org/markup-compatibility/2006" xmlns="" val="tx"/>
+                      <ahyp:hlinkClr xmlns="" xmlns:mc="http://schemas.openxmlformats.org/markup-compatibility/2006" xmlns:mv="urn:schemas-microsoft-com:mac:vml" xmlns:c="http://schemas.openxmlformats.org/drawingml/2006/chart" xmlns:dgm="http://schemas.openxmlformats.org/drawingml/2006/diagram" xmlns:o="urn:schemas-microsoft-com:office:office" xmlns:v="urn:schemas-microsoft-com:vml" xmlns:pvml="urn:schemas-microsoft-com:office:powerpoint" xmlns:com="http://schemas.openxmlformats.org/drawingml/2006/compatibility" xmlns:p14="http://schemas.microsoft.com/office/powerpoint/2010/main" xmlns:p15="http://schemas.microsoft.com/office/powerpoint/2012/main" xmlns:ahyp="http://schemas.microsoft.com/office/drawing/2018/hyperlinkcolor" val="tx"/>
                     </a:ext>
                   </a:extLst>
                 </a:hlinkClick>
@@ -40564,18 +40567,27 @@
               <a:buNone/>
             </a:pPr>
             <a:r>
-              <a:rPr lang="en" sz="1400" b="0" i="0" u="none" strike="noStrike" cap="none">
-                <a:solidFill>
-                  <a:schemeClr val="accent2"/>
-                </a:solidFill>
+              <a:rPr lang="en" sz="1400" dirty="0" smtClean="0">
                 <a:latin typeface="Signika Medium"/>
                 <a:ea typeface="Signika Medium"/>
                 <a:cs typeface="Signika Medium"/>
                 <a:sym typeface="Signika Medium"/>
               </a:rPr>
-              <a:t>Abstraction:</a:t>
+              <a:t>Polymorphism</a:t>
             </a:r>
-            <a:endParaRPr sz="1400" b="0" i="0" u="none" strike="noStrike" cap="none">
+            <a:r>
+              <a:rPr lang="en" sz="1400" b="0" i="0" u="none" strike="noStrike" cap="none" dirty="0" smtClean="0">
+                <a:solidFill>
+                  <a:schemeClr val="accent2"/>
+                </a:solidFill>
+                <a:latin typeface="Signika Medium"/>
+                <a:ea typeface="Signika Medium"/>
+                <a:cs typeface="Signika Medium"/>
+                <a:sym typeface="Signika Medium"/>
+              </a:rPr>
+              <a:t>:</a:t>
+            </a:r>
+            <a:endParaRPr sz="1400" b="0" i="0" u="none" strike="noStrike" cap="none" dirty="0">
               <a:solidFill>
                 <a:schemeClr val="accent2"/>
               </a:solidFill>
@@ -40604,7 +40616,7 @@
               <a:buChar char="-"/>
             </a:pPr>
             <a:r>
-              <a:rPr lang="en" sz="1300" b="0" i="0" u="none" strike="noStrike" cap="none">
+              <a:rPr lang="en" sz="1300" dirty="0">
                 <a:solidFill>
                   <a:srgbClr val="212121"/>
                 </a:solidFill>
@@ -40613,9 +40625,81 @@
                 <a:cs typeface="Signika Medium"/>
                 <a:sym typeface="Signika Medium"/>
               </a:rPr>
-              <a:t>Abstract method startSort(Element[]) is defined in GeneralSort class and implemented in bubble sort, heap sort, and shell sort class</a:t>
+              <a:t>M</a:t>
             </a:r>
-            <a:endParaRPr sz="1300" b="0" i="0" u="none" strike="noStrike" cap="none">
+            <a:r>
+              <a:rPr lang="en" sz="1300" b="0" i="0" u="none" strike="noStrike" cap="none" dirty="0" smtClean="0">
+                <a:solidFill>
+                  <a:srgbClr val="212121"/>
+                </a:solidFill>
+                <a:latin typeface="Signika Medium"/>
+                <a:ea typeface="Signika Medium"/>
+                <a:cs typeface="Signika Medium"/>
+                <a:sym typeface="Signika Medium"/>
+              </a:rPr>
+              <a:t>ethod </a:t>
+            </a:r>
+            <a:r>
+              <a:rPr lang="en" sz="1300" b="0" i="0" u="none" strike="noStrike" cap="none" dirty="0">
+                <a:solidFill>
+                  <a:srgbClr val="212121"/>
+                </a:solidFill>
+                <a:latin typeface="Signika Medium"/>
+                <a:ea typeface="Signika Medium"/>
+                <a:cs typeface="Signika Medium"/>
+                <a:sym typeface="Signika Medium"/>
+              </a:rPr>
+              <a:t>startSort(Element[]) is defined in GeneralSort class and </a:t>
+            </a:r>
+            <a:r>
+              <a:rPr lang="en" sz="1300" dirty="0" smtClean="0">
+                <a:solidFill>
+                  <a:srgbClr val="212121"/>
+                </a:solidFill>
+                <a:latin typeface="Signika Medium"/>
+                <a:ea typeface="Signika Medium"/>
+                <a:cs typeface="Signika Medium"/>
+                <a:sym typeface="Signika Medium"/>
+              </a:rPr>
+              <a:t>is </a:t>
+            </a:r>
+            <a:r>
+              <a:rPr lang="en" sz="1300" dirty="0" smtClean="0">
+                <a:solidFill>
+                  <a:srgbClr val="212121"/>
+                </a:solidFill>
+                <a:latin typeface="Signika Medium"/>
+                <a:ea typeface="Signika Medium"/>
+                <a:cs typeface="Signika Medium"/>
+                <a:sym typeface="Signika Medium"/>
+              </a:rPr>
+              <a:t>overried</a:t>
+            </a:r>
+            <a:r>
+              <a:rPr lang="en" sz="1300" b="0" i="0" u="none" strike="noStrike" cap="none" dirty="0" smtClean="0">
+                <a:solidFill>
+                  <a:srgbClr val="212121"/>
+                </a:solidFill>
+                <a:latin typeface="Signika Medium"/>
+                <a:ea typeface="Signika Medium"/>
+                <a:cs typeface="Signika Medium"/>
+                <a:sym typeface="Signika Medium"/>
+              </a:rPr>
+              <a:t> </a:t>
+            </a:r>
+            <a:r>
+              <a:rPr lang="en" sz="1300" b="0" i="0" u="none" strike="noStrike" cap="none" dirty="0">
+                <a:solidFill>
+                  <a:srgbClr val="212121"/>
+                </a:solidFill>
+                <a:latin typeface="Signika Medium"/>
+                <a:ea typeface="Signika Medium"/>
+                <a:cs typeface="Signika Medium"/>
+                <a:sym typeface="Signika Medium"/>
+              </a:rPr>
+              <a:t>in bubble sort, heap sort, and shell sort class</a:t>
+            </a:r>
+            <a:endParaRPr sz="1300" b="0" i="0" u="none" strike="noStrike" cap="none" dirty="0">
               <a:solidFill>
                 <a:srgbClr val="212121"/>
               </a:solidFill>
@@ -40644,7 +40728,7 @@
               <a:buNone/>
             </a:pPr>
             <a:r>
-              <a:rPr lang="en" sz="1400" b="0" i="0" u="none" strike="noStrike" cap="none">
+              <a:rPr lang="en" sz="1400" b="0" i="0" u="none" strike="noStrike" cap="none" dirty="0">
                 <a:solidFill>
                   <a:schemeClr val="accent2"/>
                 </a:solidFill>
@@ -40655,7 +40739,7 @@
               </a:rPr>
               <a:t>Association:</a:t>
             </a:r>
-            <a:endParaRPr sz="1400" b="0" i="0" u="none" strike="noStrike" cap="none">
+            <a:endParaRPr sz="1400" b="0" i="0" u="none" strike="noStrike" cap="none" dirty="0">
               <a:solidFill>
                 <a:schemeClr val="accent2"/>
               </a:solidFill>
@@ -40684,7 +40768,7 @@
               <a:buChar char="-"/>
             </a:pPr>
             <a:r>
-              <a:rPr lang="en" sz="1300" b="0" i="0" u="none" strike="noStrike" cap="none">
+              <a:rPr lang="en" sz="1300" b="0" i="0" u="none" strike="noStrike" cap="none" dirty="0">
                 <a:solidFill>
                   <a:srgbClr val="212121"/>
                 </a:solidFill>
@@ -40695,7 +40779,7 @@
               </a:rPr>
               <a:t>SortController class associates with CreateArray class, bubble sort, heap sort, and shell sort class</a:t>
             </a:r>
-            <a:endParaRPr sz="1300" b="0" i="0" u="none" strike="noStrike" cap="none">
+            <a:endParaRPr sz="1300" b="0" i="0" u="none" strike="noStrike" cap="none" dirty="0">
               <a:solidFill>
                 <a:srgbClr val="212121"/>
               </a:solidFill>
@@ -40724,7 +40808,7 @@
               <a:buChar char="-"/>
             </a:pPr>
             <a:r>
-              <a:rPr lang="en" sz="1300" b="0" i="0" u="none" strike="noStrike" cap="none">
+              <a:rPr lang="en" sz="1300" b="0" i="0" u="none" strike="noStrike" cap="none" dirty="0">
                 <a:solidFill>
                   <a:srgbClr val="212121"/>
                 </a:solidFill>
@@ -40735,7 +40819,7 @@
               </a:rPr>
               <a:t>Main class associate with Stage class.</a:t>
             </a:r>
-            <a:endParaRPr sz="1300" b="0" i="0" u="none" strike="noStrike" cap="none">
+            <a:endParaRPr sz="1300" b="0" i="0" u="none" strike="noStrike" cap="none" dirty="0">
               <a:solidFill>
                 <a:srgbClr val="212121"/>
               </a:solidFill>
@@ -40764,7 +40848,7 @@
               <a:buChar char="-"/>
             </a:pPr>
             <a:r>
-              <a:rPr lang="en" sz="1300" b="0" i="0" u="none" strike="noStrike" cap="none">
+              <a:rPr lang="en" sz="1300" b="0" i="0" u="none" strike="noStrike" cap="none" dirty="0">
                 <a:solidFill>
                   <a:srgbClr val="212121"/>
                 </a:solidFill>
@@ -40775,7 +40859,7 @@
               </a:rPr>
               <a:t>SortController and MainScreenController associate with many elements from JavaFX to create the GUI.</a:t>
             </a:r>
-            <a:endParaRPr sz="1300" b="0" i="0" u="none" strike="noStrike" cap="none">
+            <a:endParaRPr sz="1300" b="0" i="0" u="none" strike="noStrike" cap="none" dirty="0">
               <a:solidFill>
                 <a:srgbClr val="212121"/>
               </a:solidFill>
